--- a/輕量級模型對馬鈴薯葉病症分類之研究.pptx
+++ b/輕量級模型對馬鈴薯葉病症分類之研究.pptx
@@ -223,7 +223,7 @@
           <a:p>
             <a:fld id="{13857A0B-5993-4501-A817-851554C4097F}" type="datetimeFigureOut">
               <a:rPr lang="zh-TW" altLang="en-US" smtClean="0"/>
-              <a:t>2024/7/15</a:t>
+              <a:t>2024/11/13</a:t>
             </a:fld>
             <a:endParaRPr lang="zh-TW" altLang="en-US"/>
           </a:p>
@@ -3266,7 +3266,7 @@
           <a:p>
             <a:fld id="{58331860-4057-4135-86BD-8F21069E4310}" type="datetimeFigureOut">
               <a:rPr lang="zh-TW" altLang="en-US" smtClean="0"/>
-              <a:t>2024/7/15</a:t>
+              <a:t>2024/11/13</a:t>
             </a:fld>
             <a:endParaRPr lang="zh-TW" altLang="en-US"/>
           </a:p>
@@ -3436,7 +3436,7 @@
           <a:p>
             <a:fld id="{58331860-4057-4135-86BD-8F21069E4310}" type="datetimeFigureOut">
               <a:rPr lang="zh-TW" altLang="en-US" smtClean="0"/>
-              <a:t>2024/7/15</a:t>
+              <a:t>2024/11/13</a:t>
             </a:fld>
             <a:endParaRPr lang="zh-TW" altLang="en-US"/>
           </a:p>
@@ -3616,7 +3616,7 @@
           <a:p>
             <a:fld id="{58331860-4057-4135-86BD-8F21069E4310}" type="datetimeFigureOut">
               <a:rPr lang="zh-TW" altLang="en-US" smtClean="0"/>
-              <a:t>2024/7/15</a:t>
+              <a:t>2024/11/13</a:t>
             </a:fld>
             <a:endParaRPr lang="zh-TW" altLang="en-US"/>
           </a:p>
@@ -3836,7 +3836,7 @@
           <a:p>
             <a:fld id="{58331860-4057-4135-86BD-8F21069E4310}" type="datetimeFigureOut">
               <a:rPr lang="zh-TW" altLang="en-US" smtClean="0"/>
-              <a:t>2024/7/15</a:t>
+              <a:t>2024/11/13</a:t>
             </a:fld>
             <a:endParaRPr lang="zh-TW" altLang="en-US"/>
           </a:p>
@@ -4168,7 +4168,7 @@
           <a:p>
             <a:fld id="{58331860-4057-4135-86BD-8F21069E4310}" type="datetimeFigureOut">
               <a:rPr lang="zh-TW" altLang="en-US" smtClean="0"/>
-              <a:t>2024/7/15</a:t>
+              <a:t>2024/11/13</a:t>
             </a:fld>
             <a:endParaRPr lang="zh-TW" altLang="en-US"/>
           </a:p>
@@ -4400,7 +4400,7 @@
           <a:p>
             <a:fld id="{58331860-4057-4135-86BD-8F21069E4310}" type="datetimeFigureOut">
               <a:rPr lang="zh-TW" altLang="en-US" smtClean="0"/>
-              <a:t>2024/7/15</a:t>
+              <a:t>2024/11/13</a:t>
             </a:fld>
             <a:endParaRPr lang="zh-TW" altLang="en-US"/>
           </a:p>
@@ -4767,7 +4767,7 @@
           <a:p>
             <a:fld id="{58331860-4057-4135-86BD-8F21069E4310}" type="datetimeFigureOut">
               <a:rPr lang="zh-TW" altLang="en-US" smtClean="0"/>
-              <a:t>2024/7/15</a:t>
+              <a:t>2024/11/13</a:t>
             </a:fld>
             <a:endParaRPr lang="zh-TW" altLang="en-US"/>
           </a:p>
@@ -4885,7 +4885,7 @@
           <a:p>
             <a:fld id="{58331860-4057-4135-86BD-8F21069E4310}" type="datetimeFigureOut">
               <a:rPr lang="zh-TW" altLang="en-US" smtClean="0"/>
-              <a:t>2024/7/15</a:t>
+              <a:t>2024/11/13</a:t>
             </a:fld>
             <a:endParaRPr lang="zh-TW" altLang="en-US"/>
           </a:p>
@@ -4980,7 +4980,7 @@
           <a:p>
             <a:fld id="{58331860-4057-4135-86BD-8F21069E4310}" type="datetimeFigureOut">
               <a:rPr lang="zh-TW" altLang="en-US" smtClean="0"/>
-              <a:t>2024/7/15</a:t>
+              <a:t>2024/11/13</a:t>
             </a:fld>
             <a:endParaRPr lang="zh-TW" altLang="en-US"/>
           </a:p>
@@ -5257,7 +5257,7 @@
           <a:p>
             <a:fld id="{58331860-4057-4135-86BD-8F21069E4310}" type="datetimeFigureOut">
               <a:rPr lang="zh-TW" altLang="en-US" smtClean="0"/>
-              <a:t>2024/7/15</a:t>
+              <a:t>2024/11/13</a:t>
             </a:fld>
             <a:endParaRPr lang="zh-TW" altLang="en-US"/>
           </a:p>
@@ -5514,7 +5514,7 @@
           <a:p>
             <a:fld id="{58331860-4057-4135-86BD-8F21069E4310}" type="datetimeFigureOut">
               <a:rPr lang="zh-TW" altLang="en-US" smtClean="0"/>
-              <a:t>2024/7/15</a:t>
+              <a:t>2024/11/13</a:t>
             </a:fld>
             <a:endParaRPr lang="zh-TW" altLang="en-US"/>
           </a:p>
@@ -5727,7 +5727,7 @@
           <a:p>
             <a:fld id="{58331860-4057-4135-86BD-8F21069E4310}" type="datetimeFigureOut">
               <a:rPr lang="zh-TW" altLang="en-US" smtClean="0"/>
-              <a:t>2024/7/15</a:t>
+              <a:t>2024/11/13</a:t>
             </a:fld>
             <a:endParaRPr lang="zh-TW" altLang="en-US"/>
           </a:p>
